--- a/EAE_Competence_Docker_practice.pptx
+++ b/EAE_Competence_Docker_practice.pptx
@@ -5,7 +5,7 @@
     <p:sldMasterId id="2147483708" r:id="rId6"/>
   </p:sldMasterIdLst>
   <p:notesMasterIdLst>
-    <p:notesMasterId r:id="rId38"/>
+    <p:notesMasterId r:id="rId43"/>
   </p:notesMasterIdLst>
   <p:sldIdLst>
     <p:sldId id="256" r:id="rId7"/>
@@ -37,13 +37,18 @@
     <p:sldId id="284" r:id="rId33"/>
     <p:sldId id="285" r:id="rId34"/>
     <p:sldId id="286" r:id="rId35"/>
-    <p:sldId id="270" r:id="rId36"/>
-    <p:sldId id="287" r:id="rId37"/>
+    <p:sldId id="289" r:id="rId36"/>
+    <p:sldId id="270" r:id="rId37"/>
+    <p:sldId id="293" r:id="rId38"/>
+    <p:sldId id="291" r:id="rId39"/>
+    <p:sldId id="290" r:id="rId40"/>
+    <p:sldId id="292" r:id="rId41"/>
+    <p:sldId id="287" r:id="rId42"/>
   </p:sldIdLst>
   <p:sldSz cx="10969625" cy="6170613"/>
   <p:notesSz cx="6858000" cy="9144000"/>
   <p:custDataLst>
-    <p:tags r:id="rId39"/>
+    <p:tags r:id="rId44"/>
   </p:custDataLst>
   <p:defaultTextStyle>
     <a:defPPr>
@@ -180,7 +185,7 @@
 
 <file path=ppt/commentAuthors.xml><?xml version="1.0" encoding="utf-8"?>
 <p:cmAuthorLst xmlns:a="http://schemas.openxmlformats.org/drawingml/2006/main" xmlns:r="http://schemas.openxmlformats.org/officeDocument/2006/relationships" xmlns:p="http://schemas.openxmlformats.org/presentationml/2006/main">
-  <p:cmAuthor id="1" name="Admin" initials="A" lastIdx="2" clrIdx="0">
+  <p:cmAuthor id="1" name="Admin" initials="A" lastIdx="4" clrIdx="0">
     <p:extLst>
       <p:ext uri="{19B8F6BF-5375-455C-9EA6-DF929625EA0E}">
         <p15:presenceInfo xmlns:p15="http://schemas.microsoft.com/office/powerpoint/2012/main" userId="Admin" providerId="None"/>
@@ -683,7 +688,7 @@
           <a:p>
             <a:fld id="{6007911F-CEAF-4F0B-98BD-EFB38C6572AA}" type="datetimeFigureOut">
               <a:rPr lang="de-DE" smtClean="0"/>
-              <a:t>08.12.2023</a:t>
+              <a:t>10.12.2023</a:t>
             </a:fld>
             <a:endParaRPr lang="de-DE"/>
           </a:p>
@@ -17839,8 +17844,8 @@
         </p:nvSpPr>
         <p:spPr bwMode="auto">
           <a:xfrm>
-            <a:off x="205200" y="1095113"/>
-            <a:ext cx="3921266" cy="3980385"/>
+            <a:off x="205199" y="1095113"/>
+            <a:ext cx="9230265" cy="3980385"/>
           </a:xfrm>
           <a:prstGeom prst="rect">
             <a:avLst/>
@@ -17880,7 +17885,7 @@
           </a:extLst>
         </p:spPr>
         <p:txBody>
-          <a:bodyPr vert="horz" wrap="none" lIns="91440" tIns="45720" rIns="91440" bIns="45720" numCol="1" anchor="ctr" anchorCtr="0" compatLnSpc="1">
+          <a:bodyPr vert="horz" wrap="square" lIns="91440" tIns="45720" rIns="91440" bIns="45720" numCol="1" anchor="ctr" anchorCtr="0" compatLnSpc="1">
             <a:prstTxWarp prst="textNoShape">
               <a:avLst/>
             </a:prstTxWarp>
@@ -18059,7 +18064,7 @@
     </p:spTree>
     <p:extLst>
       <p:ext uri="{BB962C8B-B14F-4D97-AF65-F5344CB8AC3E}">
-        <p14:creationId xmlns:p14="http://schemas.microsoft.com/office/powerpoint/2010/main" val="372076812"/>
+        <p14:creationId xmlns:p14="http://schemas.microsoft.com/office/powerpoint/2010/main" val="2472124024"/>
       </p:ext>
     </p:extLst>
   </p:cSld>
@@ -18109,13 +18114,8 @@
           <a:p>
             <a:r>
               <a:rPr lang="en-US" dirty="0"/>
-              <a:t>IV. Docker </a:t>
-            </a:r>
-            <a:r>
-              <a:rPr lang="en-US" dirty="0" err="1"/>
-              <a:t>compse</a:t>
-            </a:r>
-            <a:endParaRPr lang="en-US" dirty="0"/>
+              <a:t>III. Network and volume</a:t>
+            </a:r>
           </a:p>
         </p:txBody>
       </p:sp>
@@ -18144,6 +18144,1193 @@
               <a:rPr lang="en-US" noProof="1" smtClean="0"/>
               <a:pPr/>
               <a:t>31</a:t>
+            </a:fld>
+            <a:endParaRPr lang="en-US" noProof="1"/>
+          </a:p>
+        </p:txBody>
+      </p:sp>
+      <p:sp>
+        <p:nvSpPr>
+          <p:cNvPr id="2" name="Title 1">
+            <a:extLst>
+              <a:ext uri="{FF2B5EF4-FFF2-40B4-BE49-F238E27FC236}">
+                <a16:creationId xmlns:a16="http://schemas.microsoft.com/office/drawing/2014/main" id="{3D776983-55F5-75FE-A956-2F5846D46946}"/>
+              </a:ext>
+            </a:extLst>
+          </p:cNvPr>
+          <p:cNvSpPr>
+            <a:spLocks noGrp="1"/>
+          </p:cNvSpPr>
+          <p:nvPr>
+            <p:ph type="title"/>
+          </p:nvPr>
+        </p:nvSpPr>
+        <p:spPr>
+          <a:xfrm>
+            <a:off x="205200" y="627942"/>
+            <a:ext cx="7110000" cy="807242"/>
+          </a:xfrm>
+        </p:spPr>
+        <p:txBody>
+          <a:bodyPr/>
+          <a:lstStyle/>
+          <a:p>
+            <a:r>
+              <a:rPr lang="en-US" b="1" dirty="0">
+                <a:latin typeface="Söhne"/>
+              </a:rPr>
+              <a:t>1. Networking</a:t>
+            </a:r>
+            <a:br>
+              <a:rPr lang="en-US" b="1" dirty="0">
+                <a:latin typeface="Söhne"/>
+              </a:rPr>
+            </a:br>
+            <a:r>
+              <a:rPr lang="en-US" b="1" dirty="0">
+                <a:latin typeface="Söhne"/>
+              </a:rPr>
+              <a:t>	1.1 Understanding</a:t>
+            </a:r>
+            <a:endParaRPr lang="en-US" dirty="0"/>
+          </a:p>
+        </p:txBody>
+      </p:sp>
+      <p:sp>
+        <p:nvSpPr>
+          <p:cNvPr id="4" name="Content Placeholder 3">
+            <a:extLst>
+              <a:ext uri="{FF2B5EF4-FFF2-40B4-BE49-F238E27FC236}">
+                <a16:creationId xmlns:a16="http://schemas.microsoft.com/office/drawing/2014/main" id="{4E5D7386-59A6-3FDC-59EC-DF9B4AF327F5}"/>
+              </a:ext>
+            </a:extLst>
+          </p:cNvPr>
+          <p:cNvSpPr>
+            <a:spLocks noGrp="1"/>
+          </p:cNvSpPr>
+          <p:nvPr>
+            <p:ph sz="quarter" idx="1"/>
+          </p:nvPr>
+        </p:nvSpPr>
+        <p:spPr>
+          <a:xfrm>
+            <a:off x="205200" y="1986246"/>
+            <a:ext cx="10558800" cy="3550554"/>
+          </a:xfrm>
+        </p:spPr>
+        <p:txBody>
+          <a:bodyPr/>
+          <a:lstStyle/>
+          <a:p>
+            <a:r>
+              <a:rPr lang="en-US" b="0" i="0" dirty="0">
+                <a:solidFill>
+                  <a:srgbClr val="374151"/>
+                </a:solidFill>
+                <a:effectLst/>
+                <a:latin typeface="Söhne"/>
+              </a:rPr>
+              <a:t>Networking refers to the mechanisms that allow communication between different Docker containers, as well as between containers and the host system or external networks.</a:t>
+            </a:r>
+          </a:p>
+          <a:p>
+            <a:pPr lvl="1"/>
+            <a:endParaRPr lang="en-US" dirty="0"/>
+          </a:p>
+        </p:txBody>
+      </p:sp>
+    </p:spTree>
+    <p:extLst>
+      <p:ext uri="{BB962C8B-B14F-4D97-AF65-F5344CB8AC3E}">
+        <p14:creationId xmlns:p14="http://schemas.microsoft.com/office/powerpoint/2010/main" val="372076812"/>
+      </p:ext>
+    </p:extLst>
+  </p:cSld>
+  <p:clrMapOvr>
+    <a:masterClrMapping/>
+  </p:clrMapOvr>
+</p:sld>
+</file>
+
+<file path=ppt/slides/slide32.xml><?xml version="1.0" encoding="utf-8"?>
+<p:sld xmlns:a="http://schemas.openxmlformats.org/drawingml/2006/main" xmlns:r="http://schemas.openxmlformats.org/officeDocument/2006/relationships" xmlns:p="http://schemas.openxmlformats.org/presentationml/2006/main">
+  <p:cSld>
+    <p:spTree>
+      <p:nvGrpSpPr>
+        <p:cNvPr id="1" name=""/>
+        <p:cNvGrpSpPr/>
+        <p:nvPr/>
+      </p:nvGrpSpPr>
+      <p:grpSpPr>
+        <a:xfrm>
+          <a:off x="0" y="0"/>
+          <a:ext cx="0" cy="0"/>
+          <a:chOff x="0" y="0"/>
+          <a:chExt cx="0" cy="0"/>
+        </a:xfrm>
+      </p:grpSpPr>
+      <p:sp>
+        <p:nvSpPr>
+          <p:cNvPr id="3" name="Text Placeholder 2">
+            <a:extLst>
+              <a:ext uri="{FF2B5EF4-FFF2-40B4-BE49-F238E27FC236}">
+                <a16:creationId xmlns:a16="http://schemas.microsoft.com/office/drawing/2014/main" id="{FAA2FA41-10F0-FD54-CA76-99A044583F2B}"/>
+              </a:ext>
+            </a:extLst>
+          </p:cNvPr>
+          <p:cNvSpPr>
+            <a:spLocks noGrp="1"/>
+          </p:cNvSpPr>
+          <p:nvPr>
+            <p:ph type="body" sz="quarter" idx="15"/>
+          </p:nvPr>
+        </p:nvSpPr>
+        <p:spPr/>
+        <p:txBody>
+          <a:bodyPr/>
+          <a:lstStyle/>
+          <a:p>
+            <a:r>
+              <a:rPr lang="en-US" dirty="0"/>
+              <a:t>III. Network and volume</a:t>
+            </a:r>
+          </a:p>
+        </p:txBody>
+      </p:sp>
+      <p:sp>
+        <p:nvSpPr>
+          <p:cNvPr id="5" name="Slide Number Placeholder 4">
+            <a:extLst>
+              <a:ext uri="{FF2B5EF4-FFF2-40B4-BE49-F238E27FC236}">
+                <a16:creationId xmlns:a16="http://schemas.microsoft.com/office/drawing/2014/main" id="{B1D81693-D953-472D-3B6A-0D7B1957D75D}"/>
+              </a:ext>
+            </a:extLst>
+          </p:cNvPr>
+          <p:cNvSpPr>
+            <a:spLocks noGrp="1"/>
+          </p:cNvSpPr>
+          <p:nvPr>
+            <p:ph type="sldNum" sz="quarter" idx="12"/>
+          </p:nvPr>
+        </p:nvSpPr>
+        <p:spPr/>
+        <p:txBody>
+          <a:bodyPr/>
+          <a:lstStyle/>
+          <a:p>
+            <a:fld id="{4898AEC0-503E-4FA4-859C-D0F72D6E3F79}" type="slidenum">
+              <a:rPr lang="en-US" noProof="1" smtClean="0"/>
+              <a:pPr/>
+              <a:t>32</a:t>
+            </a:fld>
+            <a:endParaRPr lang="en-US" noProof="1"/>
+          </a:p>
+        </p:txBody>
+      </p:sp>
+      <p:sp>
+        <p:nvSpPr>
+          <p:cNvPr id="2" name="Title 1">
+            <a:extLst>
+              <a:ext uri="{FF2B5EF4-FFF2-40B4-BE49-F238E27FC236}">
+                <a16:creationId xmlns:a16="http://schemas.microsoft.com/office/drawing/2014/main" id="{3D776983-55F5-75FE-A956-2F5846D46946}"/>
+              </a:ext>
+            </a:extLst>
+          </p:cNvPr>
+          <p:cNvSpPr>
+            <a:spLocks noGrp="1"/>
+          </p:cNvSpPr>
+          <p:nvPr>
+            <p:ph type="title"/>
+          </p:nvPr>
+        </p:nvSpPr>
+        <p:spPr>
+          <a:xfrm>
+            <a:off x="205200" y="627941"/>
+            <a:ext cx="7110000" cy="982639"/>
+          </a:xfrm>
+        </p:spPr>
+        <p:txBody>
+          <a:bodyPr/>
+          <a:lstStyle/>
+          <a:p>
+            <a:r>
+              <a:rPr lang="en-US" b="1" dirty="0">
+                <a:latin typeface="Söhne"/>
+              </a:rPr>
+              <a:t>1. Networking</a:t>
+            </a:r>
+            <a:br>
+              <a:rPr lang="en-US" b="1" dirty="0">
+                <a:latin typeface="Söhne"/>
+              </a:rPr>
+            </a:br>
+            <a:r>
+              <a:rPr lang="en-US" b="1" dirty="0">
+                <a:latin typeface="Söhne"/>
+              </a:rPr>
+              <a:t>	1.2 Expose </a:t>
+            </a:r>
+            <a:endParaRPr lang="en-US" dirty="0"/>
+          </a:p>
+        </p:txBody>
+      </p:sp>
+      <p:sp>
+        <p:nvSpPr>
+          <p:cNvPr id="4" name="Content Placeholder 3">
+            <a:extLst>
+              <a:ext uri="{FF2B5EF4-FFF2-40B4-BE49-F238E27FC236}">
+                <a16:creationId xmlns:a16="http://schemas.microsoft.com/office/drawing/2014/main" id="{4E5D7386-59A6-3FDC-59EC-DF9B4AF327F5}"/>
+              </a:ext>
+            </a:extLst>
+          </p:cNvPr>
+          <p:cNvSpPr>
+            <a:spLocks noGrp="1"/>
+          </p:cNvSpPr>
+          <p:nvPr>
+            <p:ph sz="quarter" idx="1"/>
+          </p:nvPr>
+        </p:nvSpPr>
+        <p:spPr>
+          <a:xfrm>
+            <a:off x="205200" y="1610580"/>
+            <a:ext cx="10558800" cy="3926220"/>
+          </a:xfrm>
+        </p:spPr>
+        <p:txBody>
+          <a:bodyPr/>
+          <a:lstStyle/>
+          <a:p>
+            <a:r>
+              <a:rPr lang="en-US" dirty="0"/>
+              <a:t>Allow communication between containers and </a:t>
+            </a:r>
+            <a:r>
+              <a:rPr lang="en-US" dirty="0">
+                <a:solidFill>
+                  <a:srgbClr val="FF0000"/>
+                </a:solidFill>
+              </a:rPr>
+              <a:t>the host system </a:t>
+            </a:r>
+            <a:r>
+              <a:rPr lang="en-US" dirty="0"/>
+              <a:t>or external networks</a:t>
+            </a:r>
+          </a:p>
+          <a:p>
+            <a:r>
+              <a:rPr lang="en-US" sz="1800" dirty="0">
+                <a:solidFill>
+                  <a:prstClr val="black"/>
+                </a:solidFill>
+                <a:latin typeface="Lucida Console" panose="020B0609040504020204" pitchFamily="49" charset="0"/>
+              </a:rPr>
+              <a:t>docker run -d -p 8080:80 --name my-nginx nginx</a:t>
+            </a:r>
+          </a:p>
+          <a:p>
+            <a:endParaRPr lang="en-US" dirty="0"/>
+          </a:p>
+        </p:txBody>
+      </p:sp>
+      <p:pic>
+        <p:nvPicPr>
+          <p:cNvPr id="8" name="Picture 7">
+            <a:extLst>
+              <a:ext uri="{FF2B5EF4-FFF2-40B4-BE49-F238E27FC236}">
+                <a16:creationId xmlns:a16="http://schemas.microsoft.com/office/drawing/2014/main" id="{AE96B383-7A7E-D0B0-C67E-88147D1554F6}"/>
+              </a:ext>
+            </a:extLst>
+          </p:cNvPr>
+          <p:cNvPicPr>
+            <a:picLocks noChangeAspect="1"/>
+          </p:cNvPicPr>
+          <p:nvPr/>
+        </p:nvPicPr>
+        <p:blipFill>
+          <a:blip r:embed="rId2"/>
+          <a:stretch>
+            <a:fillRect/>
+          </a:stretch>
+        </p:blipFill>
+        <p:spPr>
+          <a:xfrm>
+            <a:off x="634365" y="2264679"/>
+            <a:ext cx="8972549" cy="2544225"/>
+          </a:xfrm>
+          <a:prstGeom prst="rect">
+            <a:avLst/>
+          </a:prstGeom>
+        </p:spPr>
+      </p:pic>
+      <p:sp>
+        <p:nvSpPr>
+          <p:cNvPr id="9" name="Callout: Line 8">
+            <a:extLst>
+              <a:ext uri="{FF2B5EF4-FFF2-40B4-BE49-F238E27FC236}">
+                <a16:creationId xmlns:a16="http://schemas.microsoft.com/office/drawing/2014/main" id="{B09D5179-4CB3-509F-813D-085AD33896DB}"/>
+              </a:ext>
+            </a:extLst>
+          </p:cNvPr>
+          <p:cNvSpPr/>
+          <p:nvPr/>
+        </p:nvSpPr>
+        <p:spPr>
+          <a:xfrm>
+            <a:off x="1362711" y="3357550"/>
+            <a:ext cx="2726055" cy="797256"/>
+          </a:xfrm>
+          <a:prstGeom prst="borderCallout1">
+            <a:avLst>
+              <a:gd name="adj1" fmla="val -6844"/>
+              <a:gd name="adj2" fmla="val 8858"/>
+              <a:gd name="adj3" fmla="val -105742"/>
+              <a:gd name="adj4" fmla="val 5692"/>
+            </a:avLst>
+          </a:prstGeom>
+          <a:noFill/>
+          <a:ln w="9525" cap="flat" cmpd="sng" algn="ctr">
+            <a:solidFill>
+              <a:srgbClr val="3F136C"/>
+            </a:solidFill>
+            <a:prstDash val="solid"/>
+          </a:ln>
+          <a:effectLst/>
+        </p:spPr>
+        <p:txBody>
+          <a:bodyPr rtlCol="0" anchor="ctr"/>
+          <a:lstStyle/>
+          <a:p>
+            <a:pPr marL="0" marR="0" indent="0" algn="ctr" defTabSz="914400" eaLnBrk="1" fontAlgn="auto" latinLnBrk="0" hangingPunct="1">
+              <a:lnSpc>
+                <a:spcPct val="100000"/>
+              </a:lnSpc>
+              <a:spcBef>
+                <a:spcPts val="0"/>
+              </a:spcBef>
+              <a:spcAft>
+                <a:spcPts val="0"/>
+              </a:spcAft>
+              <a:buClrTx/>
+              <a:buSzTx/>
+              <a:buFontTx/>
+              <a:buNone/>
+              <a:tabLst/>
+            </a:pPr>
+            <a:r>
+              <a:rPr lang="en-US" kern="0" dirty="0">
+                <a:solidFill>
+                  <a:srgbClr val="000000"/>
+                </a:solidFill>
+                <a:latin typeface="Bosch Office Sans"/>
+              </a:rPr>
+              <a:t>Expose local network</a:t>
+            </a:r>
+            <a:endParaRPr kumimoji="0" lang="en-US" sz="1800" b="0" i="0" u="none" strike="noStrike" kern="0" cap="none" spc="0" normalizeH="0" baseline="0" noProof="0" dirty="0">
+              <a:ln>
+                <a:noFill/>
+              </a:ln>
+              <a:solidFill>
+                <a:srgbClr val="000000"/>
+              </a:solidFill>
+              <a:effectLst/>
+              <a:uLnTx/>
+              <a:uFillTx/>
+              <a:latin typeface="Bosch Office Sans"/>
+              <a:ea typeface="+mn-ea"/>
+              <a:cs typeface="+mn-cs"/>
+            </a:endParaRPr>
+          </a:p>
+        </p:txBody>
+      </p:sp>
+    </p:spTree>
+    <p:extLst>
+      <p:ext uri="{BB962C8B-B14F-4D97-AF65-F5344CB8AC3E}">
+        <p14:creationId xmlns:p14="http://schemas.microsoft.com/office/powerpoint/2010/main" val="3540098661"/>
+      </p:ext>
+    </p:extLst>
+  </p:cSld>
+  <p:clrMapOvr>
+    <a:masterClrMapping/>
+  </p:clrMapOvr>
+</p:sld>
+</file>
+
+<file path=ppt/slides/slide33.xml><?xml version="1.0" encoding="utf-8"?>
+<p:sld xmlns:a="http://schemas.openxmlformats.org/drawingml/2006/main" xmlns:r="http://schemas.openxmlformats.org/officeDocument/2006/relationships" xmlns:p="http://schemas.openxmlformats.org/presentationml/2006/main">
+  <p:cSld>
+    <p:spTree>
+      <p:nvGrpSpPr>
+        <p:cNvPr id="1" name=""/>
+        <p:cNvGrpSpPr/>
+        <p:nvPr/>
+      </p:nvGrpSpPr>
+      <p:grpSpPr>
+        <a:xfrm>
+          <a:off x="0" y="0"/>
+          <a:ext cx="0" cy="0"/>
+          <a:chOff x="0" y="0"/>
+          <a:chExt cx="0" cy="0"/>
+        </a:xfrm>
+      </p:grpSpPr>
+      <p:sp>
+        <p:nvSpPr>
+          <p:cNvPr id="3" name="Text Placeholder 2">
+            <a:extLst>
+              <a:ext uri="{FF2B5EF4-FFF2-40B4-BE49-F238E27FC236}">
+                <a16:creationId xmlns:a16="http://schemas.microsoft.com/office/drawing/2014/main" id="{FAA2FA41-10F0-FD54-CA76-99A044583F2B}"/>
+              </a:ext>
+            </a:extLst>
+          </p:cNvPr>
+          <p:cNvSpPr>
+            <a:spLocks noGrp="1"/>
+          </p:cNvSpPr>
+          <p:nvPr>
+            <p:ph type="body" sz="quarter" idx="15"/>
+          </p:nvPr>
+        </p:nvSpPr>
+        <p:spPr/>
+        <p:txBody>
+          <a:bodyPr/>
+          <a:lstStyle/>
+          <a:p>
+            <a:r>
+              <a:rPr lang="en-US" dirty="0"/>
+              <a:t>III. Network and volume</a:t>
+            </a:r>
+          </a:p>
+        </p:txBody>
+      </p:sp>
+      <p:sp>
+        <p:nvSpPr>
+          <p:cNvPr id="5" name="Slide Number Placeholder 4">
+            <a:extLst>
+              <a:ext uri="{FF2B5EF4-FFF2-40B4-BE49-F238E27FC236}">
+                <a16:creationId xmlns:a16="http://schemas.microsoft.com/office/drawing/2014/main" id="{B1D81693-D953-472D-3B6A-0D7B1957D75D}"/>
+              </a:ext>
+            </a:extLst>
+          </p:cNvPr>
+          <p:cNvSpPr>
+            <a:spLocks noGrp="1"/>
+          </p:cNvSpPr>
+          <p:nvPr>
+            <p:ph type="sldNum" sz="quarter" idx="12"/>
+          </p:nvPr>
+        </p:nvSpPr>
+        <p:spPr/>
+        <p:txBody>
+          <a:bodyPr/>
+          <a:lstStyle/>
+          <a:p>
+            <a:fld id="{4898AEC0-503E-4FA4-859C-D0F72D6E3F79}" type="slidenum">
+              <a:rPr lang="en-US" noProof="1" smtClean="0"/>
+              <a:pPr/>
+              <a:t>33</a:t>
+            </a:fld>
+            <a:endParaRPr lang="en-US" noProof="1"/>
+          </a:p>
+        </p:txBody>
+      </p:sp>
+      <p:sp>
+        <p:nvSpPr>
+          <p:cNvPr id="2" name="Title 1">
+            <a:extLst>
+              <a:ext uri="{FF2B5EF4-FFF2-40B4-BE49-F238E27FC236}">
+                <a16:creationId xmlns:a16="http://schemas.microsoft.com/office/drawing/2014/main" id="{3D776983-55F5-75FE-A956-2F5846D46946}"/>
+              </a:ext>
+            </a:extLst>
+          </p:cNvPr>
+          <p:cNvSpPr>
+            <a:spLocks noGrp="1"/>
+          </p:cNvSpPr>
+          <p:nvPr>
+            <p:ph type="title"/>
+          </p:nvPr>
+        </p:nvSpPr>
+        <p:spPr>
+          <a:xfrm>
+            <a:off x="205200" y="627942"/>
+            <a:ext cx="7110000" cy="1009790"/>
+          </a:xfrm>
+        </p:spPr>
+        <p:txBody>
+          <a:bodyPr/>
+          <a:lstStyle/>
+          <a:p>
+            <a:r>
+              <a:rPr lang="en-US" b="1" dirty="0">
+                <a:latin typeface="Söhne"/>
+              </a:rPr>
+              <a:t>1. Networking</a:t>
+            </a:r>
+            <a:br>
+              <a:rPr lang="en-US" b="1" dirty="0">
+                <a:latin typeface="Söhne"/>
+              </a:rPr>
+            </a:br>
+            <a:r>
+              <a:rPr lang="en-US" b="1" dirty="0">
+                <a:latin typeface="Söhne"/>
+              </a:rPr>
+              <a:t>	1.2 Expose</a:t>
+            </a:r>
+            <a:endParaRPr lang="en-US" dirty="0"/>
+          </a:p>
+        </p:txBody>
+      </p:sp>
+      <p:sp>
+        <p:nvSpPr>
+          <p:cNvPr id="4" name="Content Placeholder 3">
+            <a:extLst>
+              <a:ext uri="{FF2B5EF4-FFF2-40B4-BE49-F238E27FC236}">
+                <a16:creationId xmlns:a16="http://schemas.microsoft.com/office/drawing/2014/main" id="{4E5D7386-59A6-3FDC-59EC-DF9B4AF327F5}"/>
+              </a:ext>
+            </a:extLst>
+          </p:cNvPr>
+          <p:cNvSpPr>
+            <a:spLocks noGrp="1"/>
+          </p:cNvSpPr>
+          <p:nvPr>
+            <p:ph sz="quarter" idx="1"/>
+          </p:nvPr>
+        </p:nvSpPr>
+        <p:spPr>
+          <a:xfrm>
+            <a:off x="205200" y="1822744"/>
+            <a:ext cx="10558800" cy="3714056"/>
+          </a:xfrm>
+        </p:spPr>
+        <p:txBody>
+          <a:bodyPr/>
+          <a:lstStyle/>
+          <a:p>
+            <a:r>
+              <a:rPr lang="en-US" dirty="0"/>
+              <a:t>Allow communication between containers and the host system or </a:t>
+            </a:r>
+            <a:r>
+              <a:rPr lang="en-US" dirty="0">
+                <a:solidFill>
+                  <a:srgbClr val="FF0000"/>
+                </a:solidFill>
+              </a:rPr>
+              <a:t>external networks</a:t>
+            </a:r>
+          </a:p>
+          <a:p>
+            <a:r>
+              <a:rPr lang="en-US" dirty="0"/>
+              <a:t>Pi has </a:t>
+            </a:r>
+            <a:r>
+              <a:rPr lang="en-US" dirty="0" err="1"/>
+              <a:t>IpAdress</a:t>
+            </a:r>
+            <a:endParaRPr lang="en-US" dirty="0"/>
+          </a:p>
+          <a:p>
+            <a:r>
+              <a:rPr lang="en-US" dirty="0"/>
+              <a:t>Expose to external network: </a:t>
+            </a:r>
+          </a:p>
+          <a:p>
+            <a:endParaRPr lang="en-US" dirty="0"/>
+          </a:p>
+          <a:p>
+            <a:endParaRPr lang="en-US" sz="1800" dirty="0">
+              <a:solidFill>
+                <a:prstClr val="black"/>
+              </a:solidFill>
+              <a:latin typeface="Lucida Console" panose="020B0609040504020204" pitchFamily="49" charset="0"/>
+            </a:endParaRPr>
+          </a:p>
+          <a:p>
+            <a:endParaRPr lang="en-US" dirty="0"/>
+          </a:p>
+        </p:txBody>
+      </p:sp>
+      <p:pic>
+        <p:nvPicPr>
+          <p:cNvPr id="7" name="Picture 6">
+            <a:extLst>
+              <a:ext uri="{FF2B5EF4-FFF2-40B4-BE49-F238E27FC236}">
+                <a16:creationId xmlns:a16="http://schemas.microsoft.com/office/drawing/2014/main" id="{CABB6F51-4B55-9F36-D447-A589736A08D7}"/>
+              </a:ext>
+            </a:extLst>
+          </p:cNvPr>
+          <p:cNvPicPr>
+            <a:picLocks noChangeAspect="1"/>
+          </p:cNvPicPr>
+          <p:nvPr/>
+        </p:nvPicPr>
+        <p:blipFill>
+          <a:blip r:embed="rId2"/>
+          <a:stretch>
+            <a:fillRect/>
+          </a:stretch>
+        </p:blipFill>
+        <p:spPr>
+          <a:xfrm>
+            <a:off x="1229218" y="3505377"/>
+            <a:ext cx="7795260" cy="2189457"/>
+          </a:xfrm>
+          <a:prstGeom prst="rect">
+            <a:avLst/>
+          </a:prstGeom>
+        </p:spPr>
+      </p:pic>
+      <p:pic>
+        <p:nvPicPr>
+          <p:cNvPr id="10" name="Picture 9">
+            <a:extLst>
+              <a:ext uri="{FF2B5EF4-FFF2-40B4-BE49-F238E27FC236}">
+                <a16:creationId xmlns:a16="http://schemas.microsoft.com/office/drawing/2014/main" id="{5E51B8E4-32C3-37BB-934B-15A5420141DB}"/>
+              </a:ext>
+            </a:extLst>
+          </p:cNvPr>
+          <p:cNvPicPr>
+            <a:picLocks noChangeAspect="1"/>
+          </p:cNvPicPr>
+          <p:nvPr/>
+        </p:nvPicPr>
+        <p:blipFill>
+          <a:blip r:embed="rId3"/>
+          <a:stretch>
+            <a:fillRect/>
+          </a:stretch>
+        </p:blipFill>
+        <p:spPr>
+          <a:xfrm>
+            <a:off x="1926474" y="2136415"/>
+            <a:ext cx="6610350" cy="388435"/>
+          </a:xfrm>
+          <a:prstGeom prst="rect">
+            <a:avLst/>
+          </a:prstGeom>
+        </p:spPr>
+      </p:pic>
+      <p:pic>
+        <p:nvPicPr>
+          <p:cNvPr id="12" name="Picture 11">
+            <a:extLst>
+              <a:ext uri="{FF2B5EF4-FFF2-40B4-BE49-F238E27FC236}">
+                <a16:creationId xmlns:a16="http://schemas.microsoft.com/office/drawing/2014/main" id="{2B8E6618-9A36-AF9B-B549-C5503055E500}"/>
+              </a:ext>
+            </a:extLst>
+          </p:cNvPr>
+          <p:cNvPicPr>
+            <a:picLocks noChangeAspect="1"/>
+          </p:cNvPicPr>
+          <p:nvPr/>
+        </p:nvPicPr>
+        <p:blipFill>
+          <a:blip r:embed="rId4"/>
+          <a:stretch>
+            <a:fillRect/>
+          </a:stretch>
+        </p:blipFill>
+        <p:spPr>
+          <a:xfrm>
+            <a:off x="1332807" y="2812476"/>
+            <a:ext cx="8629650" cy="381000"/>
+          </a:xfrm>
+          <a:prstGeom prst="rect">
+            <a:avLst/>
+          </a:prstGeom>
+        </p:spPr>
+      </p:pic>
+      <p:sp>
+        <p:nvSpPr>
+          <p:cNvPr id="13" name="Callout: Line 12">
+            <a:extLst>
+              <a:ext uri="{FF2B5EF4-FFF2-40B4-BE49-F238E27FC236}">
+                <a16:creationId xmlns:a16="http://schemas.microsoft.com/office/drawing/2014/main" id="{4D0492EF-046C-A6F0-5550-F6A95C45ED07}"/>
+              </a:ext>
+            </a:extLst>
+          </p:cNvPr>
+          <p:cNvSpPr/>
+          <p:nvPr/>
+        </p:nvSpPr>
+        <p:spPr>
+          <a:xfrm>
+            <a:off x="1668780" y="3703320"/>
+            <a:ext cx="1937385" cy="520065"/>
+          </a:xfrm>
+          <a:prstGeom prst="borderCallout1">
+            <a:avLst>
+              <a:gd name="adj1" fmla="val -8723"/>
+              <a:gd name="adj2" fmla="val 7596"/>
+              <a:gd name="adj3" fmla="val -79808"/>
+              <a:gd name="adj4" fmla="val 19779"/>
+            </a:avLst>
+          </a:prstGeom>
+          <a:noFill/>
+          <a:ln w="9525" cap="flat" cmpd="sng" algn="ctr">
+            <a:solidFill>
+              <a:srgbClr val="3F136C"/>
+            </a:solidFill>
+            <a:prstDash val="solid"/>
+          </a:ln>
+          <a:effectLst/>
+        </p:spPr>
+        <p:txBody>
+          <a:bodyPr rtlCol="0" anchor="ctr"/>
+          <a:lstStyle/>
+          <a:p>
+            <a:pPr marL="0" marR="0" indent="0" algn="ctr" defTabSz="914400" eaLnBrk="1" fontAlgn="auto" latinLnBrk="0" hangingPunct="1">
+              <a:lnSpc>
+                <a:spcPct val="100000"/>
+              </a:lnSpc>
+              <a:spcBef>
+                <a:spcPts val="0"/>
+              </a:spcBef>
+              <a:spcAft>
+                <a:spcPts val="0"/>
+              </a:spcAft>
+              <a:buClrTx/>
+              <a:buSzTx/>
+              <a:buFontTx/>
+              <a:buNone/>
+              <a:tabLst/>
+            </a:pPr>
+            <a:r>
+              <a:rPr kumimoji="0" lang="en-US" sz="1800" b="0" i="0" u="none" strike="noStrike" kern="0" cap="none" spc="0" normalizeH="0" baseline="0" noProof="0" dirty="0">
+                <a:ln>
+                  <a:noFill/>
+                </a:ln>
+                <a:solidFill>
+                  <a:srgbClr val="000000"/>
+                </a:solidFill>
+                <a:effectLst/>
+                <a:uLnTx/>
+                <a:uFillTx/>
+                <a:latin typeface="Bosch Office Sans"/>
+                <a:ea typeface="+mn-ea"/>
+                <a:cs typeface="+mn-cs"/>
+              </a:rPr>
+              <a:t>Access from pc same network</a:t>
+            </a:r>
+          </a:p>
+        </p:txBody>
+      </p:sp>
+    </p:spTree>
+    <p:extLst>
+      <p:ext uri="{BB962C8B-B14F-4D97-AF65-F5344CB8AC3E}">
+        <p14:creationId xmlns:p14="http://schemas.microsoft.com/office/powerpoint/2010/main" val="3534525540"/>
+      </p:ext>
+    </p:extLst>
+  </p:cSld>
+  <p:clrMapOvr>
+    <a:masterClrMapping/>
+  </p:clrMapOvr>
+</p:sld>
+</file>
+
+<file path=ppt/slides/slide34.xml><?xml version="1.0" encoding="utf-8"?>
+<p:sld xmlns:a="http://schemas.openxmlformats.org/drawingml/2006/main" xmlns:r="http://schemas.openxmlformats.org/officeDocument/2006/relationships" xmlns:p="http://schemas.openxmlformats.org/presentationml/2006/main">
+  <p:cSld>
+    <p:spTree>
+      <p:nvGrpSpPr>
+        <p:cNvPr id="1" name=""/>
+        <p:cNvGrpSpPr/>
+        <p:nvPr/>
+      </p:nvGrpSpPr>
+      <p:grpSpPr>
+        <a:xfrm>
+          <a:off x="0" y="0"/>
+          <a:ext cx="0" cy="0"/>
+          <a:chOff x="0" y="0"/>
+          <a:chExt cx="0" cy="0"/>
+        </a:xfrm>
+      </p:grpSpPr>
+      <p:sp>
+        <p:nvSpPr>
+          <p:cNvPr id="3" name="Text Placeholder 2">
+            <a:extLst>
+              <a:ext uri="{FF2B5EF4-FFF2-40B4-BE49-F238E27FC236}">
+                <a16:creationId xmlns:a16="http://schemas.microsoft.com/office/drawing/2014/main" id="{FAA2FA41-10F0-FD54-CA76-99A044583F2B}"/>
+              </a:ext>
+            </a:extLst>
+          </p:cNvPr>
+          <p:cNvSpPr>
+            <a:spLocks noGrp="1"/>
+          </p:cNvSpPr>
+          <p:nvPr>
+            <p:ph type="body" sz="quarter" idx="15"/>
+          </p:nvPr>
+        </p:nvSpPr>
+        <p:spPr/>
+        <p:txBody>
+          <a:bodyPr/>
+          <a:lstStyle/>
+          <a:p>
+            <a:r>
+              <a:rPr lang="en-US" dirty="0"/>
+              <a:t>III. Network and volume</a:t>
+            </a:r>
+          </a:p>
+        </p:txBody>
+      </p:sp>
+      <p:sp>
+        <p:nvSpPr>
+          <p:cNvPr id="5" name="Slide Number Placeholder 4">
+            <a:extLst>
+              <a:ext uri="{FF2B5EF4-FFF2-40B4-BE49-F238E27FC236}">
+                <a16:creationId xmlns:a16="http://schemas.microsoft.com/office/drawing/2014/main" id="{B1D81693-D953-472D-3B6A-0D7B1957D75D}"/>
+              </a:ext>
+            </a:extLst>
+          </p:cNvPr>
+          <p:cNvSpPr>
+            <a:spLocks noGrp="1"/>
+          </p:cNvSpPr>
+          <p:nvPr>
+            <p:ph type="sldNum" sz="quarter" idx="12"/>
+          </p:nvPr>
+        </p:nvSpPr>
+        <p:spPr/>
+        <p:txBody>
+          <a:bodyPr/>
+          <a:lstStyle/>
+          <a:p>
+            <a:fld id="{4898AEC0-503E-4FA4-859C-D0F72D6E3F79}" type="slidenum">
+              <a:rPr lang="en-US" noProof="1" smtClean="0"/>
+              <a:pPr/>
+              <a:t>34</a:t>
+            </a:fld>
+            <a:endParaRPr lang="en-US" noProof="1"/>
+          </a:p>
+        </p:txBody>
+      </p:sp>
+      <p:sp>
+        <p:nvSpPr>
+          <p:cNvPr id="2" name="Title 1">
+            <a:extLst>
+              <a:ext uri="{FF2B5EF4-FFF2-40B4-BE49-F238E27FC236}">
+                <a16:creationId xmlns:a16="http://schemas.microsoft.com/office/drawing/2014/main" id="{3D776983-55F5-75FE-A956-2F5846D46946}"/>
+              </a:ext>
+            </a:extLst>
+          </p:cNvPr>
+          <p:cNvSpPr>
+            <a:spLocks noGrp="1"/>
+          </p:cNvSpPr>
+          <p:nvPr>
+            <p:ph type="title"/>
+          </p:nvPr>
+        </p:nvSpPr>
+        <p:spPr>
+          <a:xfrm>
+            <a:off x="205200" y="627942"/>
+            <a:ext cx="7110000" cy="668058"/>
+          </a:xfrm>
+        </p:spPr>
+        <p:txBody>
+          <a:bodyPr/>
+          <a:lstStyle/>
+          <a:p>
+            <a:r>
+              <a:rPr lang="en-US" b="1" dirty="0">
+                <a:latin typeface="Söhne"/>
+              </a:rPr>
+              <a:t>1. Networking</a:t>
+            </a:r>
+            <a:br>
+              <a:rPr lang="en-US" b="1" dirty="0">
+                <a:latin typeface="Söhne"/>
+              </a:rPr>
+            </a:br>
+            <a:r>
+              <a:rPr lang="en-US" b="1" dirty="0">
+                <a:latin typeface="Söhne"/>
+              </a:rPr>
+              <a:t>	1.3 Linking containers</a:t>
+            </a:r>
+            <a:endParaRPr lang="en-US" dirty="0"/>
+          </a:p>
+        </p:txBody>
+      </p:sp>
+      <p:sp>
+        <p:nvSpPr>
+          <p:cNvPr id="4" name="Content Placeholder 3">
+            <a:extLst>
+              <a:ext uri="{FF2B5EF4-FFF2-40B4-BE49-F238E27FC236}">
+                <a16:creationId xmlns:a16="http://schemas.microsoft.com/office/drawing/2014/main" id="{4E5D7386-59A6-3FDC-59EC-DF9B4AF327F5}"/>
+              </a:ext>
+            </a:extLst>
+          </p:cNvPr>
+          <p:cNvSpPr>
+            <a:spLocks noGrp="1"/>
+          </p:cNvSpPr>
+          <p:nvPr>
+            <p:ph sz="quarter" idx="1"/>
+          </p:nvPr>
+        </p:nvSpPr>
+        <p:spPr>
+          <a:xfrm>
+            <a:off x="205200" y="1664742"/>
+            <a:ext cx="10558800" cy="3872058"/>
+          </a:xfrm>
+        </p:spPr>
+        <p:txBody>
+          <a:bodyPr/>
+          <a:lstStyle/>
+          <a:p>
+            <a:r>
+              <a:rPr lang="en-US" dirty="0"/>
+              <a:t>Allow communication between different containers</a:t>
+            </a:r>
+          </a:p>
+          <a:p>
+            <a:endParaRPr lang="en-US" dirty="0"/>
+          </a:p>
+          <a:p>
+            <a:r>
+              <a:rPr lang="en-US" dirty="0"/>
+              <a:t>https://www.youtube.com/watch?v=42H28M9rQq8</a:t>
+            </a:r>
+          </a:p>
+          <a:p>
+            <a:endParaRPr lang="en-US" dirty="0"/>
+          </a:p>
+        </p:txBody>
+      </p:sp>
+    </p:spTree>
+    <p:extLst>
+      <p:ext uri="{BB962C8B-B14F-4D97-AF65-F5344CB8AC3E}">
+        <p14:creationId xmlns:p14="http://schemas.microsoft.com/office/powerpoint/2010/main" val="2887249586"/>
+      </p:ext>
+    </p:extLst>
+  </p:cSld>
+  <p:clrMapOvr>
+    <a:masterClrMapping/>
+  </p:clrMapOvr>
+</p:sld>
+</file>
+
+<file path=ppt/slides/slide35.xml><?xml version="1.0" encoding="utf-8"?>
+<p:sld xmlns:a="http://schemas.openxmlformats.org/drawingml/2006/main" xmlns:r="http://schemas.openxmlformats.org/officeDocument/2006/relationships" xmlns:p="http://schemas.openxmlformats.org/presentationml/2006/main">
+  <p:cSld>
+    <p:spTree>
+      <p:nvGrpSpPr>
+        <p:cNvPr id="1" name=""/>
+        <p:cNvGrpSpPr/>
+        <p:nvPr/>
+      </p:nvGrpSpPr>
+      <p:grpSpPr>
+        <a:xfrm>
+          <a:off x="0" y="0"/>
+          <a:ext cx="0" cy="0"/>
+          <a:chOff x="0" y="0"/>
+          <a:chExt cx="0" cy="0"/>
+        </a:xfrm>
+      </p:grpSpPr>
+      <p:sp>
+        <p:nvSpPr>
+          <p:cNvPr id="3" name="Text Placeholder 2">
+            <a:extLst>
+              <a:ext uri="{FF2B5EF4-FFF2-40B4-BE49-F238E27FC236}">
+                <a16:creationId xmlns:a16="http://schemas.microsoft.com/office/drawing/2014/main" id="{FAA2FA41-10F0-FD54-CA76-99A044583F2B}"/>
+              </a:ext>
+            </a:extLst>
+          </p:cNvPr>
+          <p:cNvSpPr>
+            <a:spLocks noGrp="1"/>
+          </p:cNvSpPr>
+          <p:nvPr>
+            <p:ph type="body" sz="quarter" idx="15"/>
+          </p:nvPr>
+        </p:nvSpPr>
+        <p:spPr/>
+        <p:txBody>
+          <a:bodyPr/>
+          <a:lstStyle/>
+          <a:p>
+            <a:r>
+              <a:rPr lang="en-US" dirty="0"/>
+              <a:t>III. Network and volume</a:t>
+            </a:r>
+          </a:p>
+        </p:txBody>
+      </p:sp>
+      <p:sp>
+        <p:nvSpPr>
+          <p:cNvPr id="5" name="Slide Number Placeholder 4">
+            <a:extLst>
+              <a:ext uri="{FF2B5EF4-FFF2-40B4-BE49-F238E27FC236}">
+                <a16:creationId xmlns:a16="http://schemas.microsoft.com/office/drawing/2014/main" id="{B1D81693-D953-472D-3B6A-0D7B1957D75D}"/>
+              </a:ext>
+            </a:extLst>
+          </p:cNvPr>
+          <p:cNvSpPr>
+            <a:spLocks noGrp="1"/>
+          </p:cNvSpPr>
+          <p:nvPr>
+            <p:ph type="sldNum" sz="quarter" idx="12"/>
+          </p:nvPr>
+        </p:nvSpPr>
+        <p:spPr/>
+        <p:txBody>
+          <a:bodyPr/>
+          <a:lstStyle/>
+          <a:p>
+            <a:fld id="{4898AEC0-503E-4FA4-859C-D0F72D6E3F79}" type="slidenum">
+              <a:rPr lang="en-US" noProof="1" smtClean="0"/>
+              <a:pPr/>
+              <a:t>35</a:t>
+            </a:fld>
+            <a:endParaRPr lang="en-US" noProof="1"/>
+          </a:p>
+        </p:txBody>
+      </p:sp>
+      <p:sp>
+        <p:nvSpPr>
+          <p:cNvPr id="2" name="Title 1">
+            <a:extLst>
+              <a:ext uri="{FF2B5EF4-FFF2-40B4-BE49-F238E27FC236}">
+                <a16:creationId xmlns:a16="http://schemas.microsoft.com/office/drawing/2014/main" id="{3D776983-55F5-75FE-A956-2F5846D46946}"/>
+              </a:ext>
+            </a:extLst>
+          </p:cNvPr>
+          <p:cNvSpPr>
+            <a:spLocks noGrp="1"/>
+          </p:cNvSpPr>
+          <p:nvPr>
+            <p:ph type="title"/>
+          </p:nvPr>
+        </p:nvSpPr>
+        <p:spPr>
+          <a:xfrm>
+            <a:off x="205200" y="627942"/>
+            <a:ext cx="7110000" cy="388800"/>
+          </a:xfrm>
+        </p:spPr>
+        <p:txBody>
+          <a:bodyPr/>
+          <a:lstStyle/>
+          <a:p>
+            <a:r>
+              <a:rPr lang="en-US" b="1" dirty="0">
+                <a:latin typeface="Söhne"/>
+              </a:rPr>
+              <a:t>2. Volume</a:t>
+            </a:r>
+            <a:endParaRPr lang="en-US" dirty="0"/>
+          </a:p>
+        </p:txBody>
+      </p:sp>
+      <p:sp>
+        <p:nvSpPr>
+          <p:cNvPr id="4" name="Content Placeholder 3">
+            <a:extLst>
+              <a:ext uri="{FF2B5EF4-FFF2-40B4-BE49-F238E27FC236}">
+                <a16:creationId xmlns:a16="http://schemas.microsoft.com/office/drawing/2014/main" id="{4E5D7386-59A6-3FDC-59EC-DF9B4AF327F5}"/>
+              </a:ext>
+            </a:extLst>
+          </p:cNvPr>
+          <p:cNvSpPr>
+            <a:spLocks noGrp="1"/>
+          </p:cNvSpPr>
+          <p:nvPr>
+            <p:ph sz="quarter" idx="1"/>
+          </p:nvPr>
+        </p:nvSpPr>
+        <p:spPr/>
+        <p:txBody>
+          <a:bodyPr/>
+          <a:lstStyle/>
+          <a:p>
+            <a:endParaRPr lang="en-US" dirty="0"/>
+          </a:p>
+        </p:txBody>
+      </p:sp>
+    </p:spTree>
+    <p:extLst>
+      <p:ext uri="{BB962C8B-B14F-4D97-AF65-F5344CB8AC3E}">
+        <p14:creationId xmlns:p14="http://schemas.microsoft.com/office/powerpoint/2010/main" val="3697202875"/>
+      </p:ext>
+    </p:extLst>
+  </p:cSld>
+  <p:clrMapOvr>
+    <a:masterClrMapping/>
+  </p:clrMapOvr>
+</p:sld>
+</file>
+
+<file path=ppt/slides/slide36.xml><?xml version="1.0" encoding="utf-8"?>
+<p:sld xmlns:a="http://schemas.openxmlformats.org/drawingml/2006/main" xmlns:r="http://schemas.openxmlformats.org/officeDocument/2006/relationships" xmlns:p="http://schemas.openxmlformats.org/presentationml/2006/main">
+  <p:cSld>
+    <p:spTree>
+      <p:nvGrpSpPr>
+        <p:cNvPr id="1" name=""/>
+        <p:cNvGrpSpPr/>
+        <p:nvPr/>
+      </p:nvGrpSpPr>
+      <p:grpSpPr>
+        <a:xfrm>
+          <a:off x="0" y="0"/>
+          <a:ext cx="0" cy="0"/>
+          <a:chOff x="0" y="0"/>
+          <a:chExt cx="0" cy="0"/>
+        </a:xfrm>
+      </p:grpSpPr>
+      <p:sp>
+        <p:nvSpPr>
+          <p:cNvPr id="3" name="Text Placeholder 2">
+            <a:extLst>
+              <a:ext uri="{FF2B5EF4-FFF2-40B4-BE49-F238E27FC236}">
+                <a16:creationId xmlns:a16="http://schemas.microsoft.com/office/drawing/2014/main" id="{FAA2FA41-10F0-FD54-CA76-99A044583F2B}"/>
+              </a:ext>
+            </a:extLst>
+          </p:cNvPr>
+          <p:cNvSpPr>
+            <a:spLocks noGrp="1"/>
+          </p:cNvSpPr>
+          <p:nvPr>
+            <p:ph type="body" sz="quarter" idx="15"/>
+          </p:nvPr>
+        </p:nvSpPr>
+        <p:spPr/>
+        <p:txBody>
+          <a:bodyPr/>
+          <a:lstStyle/>
+          <a:p>
+            <a:r>
+              <a:rPr lang="en-US" dirty="0"/>
+              <a:t>IV. Docker </a:t>
+            </a:r>
+            <a:r>
+              <a:rPr lang="en-US" dirty="0" err="1"/>
+              <a:t>compse</a:t>
+            </a:r>
+            <a:endParaRPr lang="en-US" dirty="0"/>
+          </a:p>
+        </p:txBody>
+      </p:sp>
+      <p:sp>
+        <p:nvSpPr>
+          <p:cNvPr id="5" name="Slide Number Placeholder 4">
+            <a:extLst>
+              <a:ext uri="{FF2B5EF4-FFF2-40B4-BE49-F238E27FC236}">
+                <a16:creationId xmlns:a16="http://schemas.microsoft.com/office/drawing/2014/main" id="{B1D81693-D953-472D-3B6A-0D7B1957D75D}"/>
+              </a:ext>
+            </a:extLst>
+          </p:cNvPr>
+          <p:cNvSpPr>
+            <a:spLocks noGrp="1"/>
+          </p:cNvSpPr>
+          <p:nvPr>
+            <p:ph type="sldNum" sz="quarter" idx="12"/>
+          </p:nvPr>
+        </p:nvSpPr>
+        <p:spPr/>
+        <p:txBody>
+          <a:bodyPr/>
+          <a:lstStyle/>
+          <a:p>
+            <a:fld id="{4898AEC0-503E-4FA4-859C-D0F72D6E3F79}" type="slidenum">
+              <a:rPr lang="en-US" noProof="1" smtClean="0"/>
+              <a:pPr/>
+              <a:t>36</a:t>
             </a:fld>
             <a:endParaRPr lang="en-US" noProof="1"/>
           </a:p>
@@ -22341,6 +23528,27 @@
 </file>
 
 <file path=customXml/item1.xml><?xml version="1.0" encoding="utf-8"?>
+<sax_Colors>
+  <Line size="7">
+    <Color val="9e2896" tooltip="Bosch Purple 40"/>
+    <Color val="551151" tooltip="Bosch Purple 20"/>
+  </Line>
+  <Line size="7">
+    <Color val="007bc0" tooltip="Bosch Blue 50"/>
+    <Color val="004975" tooltip="Bosch Blue 30"/>
+  </Line>
+  <Line size="7">
+    <Color val="18837e" tooltip="Bosch Turquoise 50"/>
+    <Color val="0a4f4b" tooltip="Bosch Turquoise 30"/>
+  </Line>
+  <Line size="7">
+    <Color val="00884a" tooltip="Bosch Green 50"/>
+    <Color val="00512a" tooltip="Bosch Green 30"/>
+  </Line>
+</sax_Colors>
+</file>
+
+<file path=customXml/item2.xml><?xml version="1.0" encoding="utf-8"?>
 <ct:contentTypeSchema xmlns:ct="http://schemas.microsoft.com/office/2006/metadata/contentType" xmlns:ma="http://schemas.microsoft.com/office/2006/metadata/properties/metaAttributes" ct:_="" ma:_="" ma:contentTypeName="Document" ma:contentTypeID="0x010100FE0F740E9BE2C147B4F80DBFAC2E5AF6" ma:contentTypeVersion="14" ma:contentTypeDescription="Create a new document." ma:contentTypeScope="" ma:versionID="1885545cd33a1fa20c74959406c05c3c">
   <xsd:schema xmlns:xsd="http://www.w3.org/2001/XMLSchema" xmlns:xs="http://www.w3.org/2001/XMLSchema" xmlns:p="http://schemas.microsoft.com/office/2006/metadata/properties" xmlns:ns2="cf02c56a-2735-4c12-b4a6-1ca031bd9677" xmlns:ns3="629f471e-c489-47d7-a648-c0b2393b896d" targetNamespace="http://schemas.microsoft.com/office/2006/metadata/properties" ma:root="true" ma:fieldsID="ed86a63c6dfa92fa827d4eab0b2eb4d4" ns2:_="" ns3:_="">
     <xsd:import namespace="cf02c56a-2735-4c12-b4a6-1ca031bd9677"/>
@@ -22569,28 +23777,39 @@
 </ct:contentTypeSchema>
 </file>
 
-<file path=customXml/item2.xml><?xml version="1.0" encoding="utf-8"?>
-<sax_Colors>
-  <Line size="7">
-    <Color val="9e2896" tooltip="Bosch Purple 40"/>
-    <Color val="551151" tooltip="Bosch Purple 20"/>
-  </Line>
-  <Line size="7">
-    <Color val="007bc0" tooltip="Bosch Blue 50"/>
-    <Color val="004975" tooltip="Bosch Blue 30"/>
-  </Line>
-  <Line size="7">
-    <Color val="18837e" tooltip="Bosch Turquoise 50"/>
-    <Color val="0a4f4b" tooltip="Bosch Turquoise 30"/>
-  </Line>
-  <Line size="7">
-    <Color val="00884a" tooltip="Bosch Green 50"/>
-    <Color val="00512a" tooltip="Bosch Green 30"/>
-  </Line>
-</sax_Colors>
+<file path=customXml/item3.xml><?xml version="1.0" encoding="utf-8"?>
+<?mso-contentType ?>
+<FormTemplates xmlns="http://schemas.microsoft.com/sharepoint/v3/contenttype/forms">
+  <Display>DocumentLibraryForm</Display>
+  <Edit>DocumentLibraryForm</Edit>
+  <New>DocumentLibraryForm</New>
+</FormTemplates>
 </file>
 
-<file path=customXml/item3.xml><?xml version="1.0" encoding="utf-8"?>
+<file path=customXml/item4.xml><?xml version="1.0" encoding="utf-8"?>
+<p:properties xmlns:p="http://schemas.microsoft.com/office/2006/metadata/properties" xmlns:xsi="http://www.w3.org/2001/XMLSchema-instance" xmlns:pc="http://schemas.microsoft.com/office/infopath/2007/PartnerControls">
+  <documentManagement>
+    <TaxCatchAll xmlns="629f471e-c489-47d7-a648-c0b2393b896d" xsi:nil="true"/>
+    <lcf76f155ced4ddcb4097134ff3c332f xmlns="cf02c56a-2735-4c12-b4a6-1ca031bd9677">
+      <Terms xmlns="http://schemas.microsoft.com/office/infopath/2007/PartnerControls"/>
+    </lcf76f155ced4ddcb4097134ff3c332f>
+    <SharedWithUsers xmlns="629f471e-c489-47d7-a648-c0b2393b896d">
+      <UserInfo>
+        <DisplayName>EAE31_VW Baseline Members</DisplayName>
+        <AccountId>63</AccountId>
+        <AccountType/>
+      </UserInfo>
+      <UserInfo>
+        <DisplayName>EAE31_EAE32_Intern Members</DisplayName>
+        <AccountId>64</AccountId>
+        <AccountType/>
+      </UserInfo>
+    </SharedWithUsers>
+  </documentManagement>
+</p:properties>
+</file>
+
+<file path=customXml/item5.xml><?xml version="1.0" encoding="utf-8"?>
 <saxML>
   <saxMLTemplate>presentation_169</saxMLTemplate>
   <Variablen>
@@ -22739,39 +23958,13 @@
 </saxML>
 </file>
 
-<file path=customXml/item4.xml><?xml version="1.0" encoding="utf-8"?>
-<p:properties xmlns:p="http://schemas.microsoft.com/office/2006/metadata/properties" xmlns:xsi="http://www.w3.org/2001/XMLSchema-instance" xmlns:pc="http://schemas.microsoft.com/office/infopath/2007/PartnerControls">
-  <documentManagement>
-    <TaxCatchAll xmlns="629f471e-c489-47d7-a648-c0b2393b896d" xsi:nil="true"/>
-    <lcf76f155ced4ddcb4097134ff3c332f xmlns="cf02c56a-2735-4c12-b4a6-1ca031bd9677">
-      <Terms xmlns="http://schemas.microsoft.com/office/infopath/2007/PartnerControls"/>
-    </lcf76f155ced4ddcb4097134ff3c332f>
-    <SharedWithUsers xmlns="629f471e-c489-47d7-a648-c0b2393b896d">
-      <UserInfo>
-        <DisplayName>EAE31_VW Baseline Members</DisplayName>
-        <AccountId>63</AccountId>
-        <AccountType/>
-      </UserInfo>
-      <UserInfo>
-        <DisplayName>EAE31_EAE32_Intern Members</DisplayName>
-        <AccountId>64</AccountId>
-        <AccountType/>
-      </UserInfo>
-    </SharedWithUsers>
-  </documentManagement>
-</p:properties>
+<file path=customXml/itemProps1.xml><?xml version="1.0" encoding="utf-8"?>
+<ds:datastoreItem xmlns:ds="http://schemas.openxmlformats.org/officeDocument/2006/customXml" ds:itemID="{D0252559-44F8-474C-B66D-E357B88E32C2}">
+  <ds:schemaRefs/>
+</ds:datastoreItem>
 </file>
 
-<file path=customXml/item5.xml><?xml version="1.0" encoding="utf-8"?>
-<?mso-contentType ?>
-<FormTemplates xmlns="http://schemas.microsoft.com/sharepoint/v3/contenttype/forms">
-  <Display>DocumentLibraryForm</Display>
-  <Edit>DocumentLibraryForm</Edit>
-  <New>DocumentLibraryForm</New>
-</FormTemplates>
-</file>
-
-<file path=customXml/itemProps1.xml><?xml version="1.0" encoding="utf-8"?>
+<file path=customXml/itemProps2.xml><?xml version="1.0" encoding="utf-8"?>
 <ds:datastoreItem xmlns:ds="http://schemas.openxmlformats.org/officeDocument/2006/customXml" ds:itemID="{1E25C05B-6FC5-499B-B8E3-FDB1C66A8BFD}">
   <ds:schemaRefs>
     <ds:schemaRef ds:uri="http://schemas.microsoft.com/office/2006/metadata/contentType"/>
@@ -22790,15 +23983,11 @@
 </ds:datastoreItem>
 </file>
 
-<file path=customXml/itemProps2.xml><?xml version="1.0" encoding="utf-8"?>
-<ds:datastoreItem xmlns:ds="http://schemas.openxmlformats.org/officeDocument/2006/customXml" ds:itemID="{D0252559-44F8-474C-B66D-E357B88E32C2}">
-  <ds:schemaRefs/>
-</ds:datastoreItem>
-</file>
-
 <file path=customXml/itemProps3.xml><?xml version="1.0" encoding="utf-8"?>
-<ds:datastoreItem xmlns:ds="http://schemas.openxmlformats.org/officeDocument/2006/customXml" ds:itemID="{304CF217-3C90-4AA0-B541-CE45F9BD305E}">
-  <ds:schemaRefs/>
+<ds:datastoreItem xmlns:ds="http://schemas.openxmlformats.org/officeDocument/2006/customXml" ds:itemID="{FFC1A364-358C-4674-ADE2-357C195155CC}">
+  <ds:schemaRefs>
+    <ds:schemaRef ds:uri="http://schemas.microsoft.com/sharepoint/v3/contenttype/forms"/>
+  </ds:schemaRefs>
 </ds:datastoreItem>
 </file>
 
@@ -22814,9 +24003,7 @@
 </file>
 
 <file path=customXml/itemProps5.xml><?xml version="1.0" encoding="utf-8"?>
-<ds:datastoreItem xmlns:ds="http://schemas.openxmlformats.org/officeDocument/2006/customXml" ds:itemID="{FFC1A364-358C-4674-ADE2-357C195155CC}">
-  <ds:schemaRefs>
-    <ds:schemaRef ds:uri="http://schemas.microsoft.com/sharepoint/v3/contenttype/forms"/>
-  </ds:schemaRefs>
+<ds:datastoreItem xmlns:ds="http://schemas.openxmlformats.org/officeDocument/2006/customXml" ds:itemID="{304CF217-3C90-4AA0-B541-CE45F9BD305E}">
+  <ds:schemaRefs/>
 </ds:datastoreItem>
 </file>